--- a/Azure Storage.pptx
+++ b/Azure Storage.pptx
@@ -20,6 +20,15 @@
     <p:sldId id="268" r:id="rId14"/>
     <p:sldId id="269" r:id="rId15"/>
     <p:sldId id="270" r:id="rId16"/>
+    <p:sldId id="271" r:id="rId17"/>
+    <p:sldId id="279" r:id="rId18"/>
+    <p:sldId id="272" r:id="rId19"/>
+    <p:sldId id="273" r:id="rId20"/>
+    <p:sldId id="274" r:id="rId21"/>
+    <p:sldId id="275" r:id="rId22"/>
+    <p:sldId id="276" r:id="rId23"/>
+    <p:sldId id="277" r:id="rId24"/>
+    <p:sldId id="278" r:id="rId25"/>
   </p:sldIdLst>
   <p:sldSz cx="12192000" cy="6858000"/>
   <p:notesSz cx="6858000" cy="9144000"/>
@@ -142,14 +151,14 @@
           <inkml:channelProperty channel="F" name="resolution" value="0" units="1/dev"/>
         </inkml:channelProperties>
       </inkml:inkSource>
-      <inkml:timestamp xml:id="ts0" timeString="2023-06-17T05:57:31.031"/>
+      <inkml:timestamp xml:id="ts0" timeString="2023-05-06T14:23:57.185"/>
     </inkml:context>
     <inkml:brush xml:id="br0">
       <inkml:brushProperty name="width" value="0.05" units="cm"/>
       <inkml:brushProperty name="height" value="0.05" units="cm"/>
     </inkml:brush>
   </inkml:definitions>
-  <inkml:trace contextRef="#ctx0" brushRef="#br0">0 53 1212,'4'-2'9763,"8"20"-8014,16 29-1902,-19-31 357,1-1-1,1 0 0,0-1 1,18 19-1,-23-27-130,0-1 0,1 1-1,0-1 1,0 0 0,0-1 0,1 0 0,-1 0 0,1 0-1,0-1 1,0 0 0,15 3 0,0-3 12,-1-1 0,2-1 0,-1-2 0,0 0 0,0-1 0,0-1 0,-1-1 0,1-1 0,-1-1 0,0-1 0,26-12 1,24-15 108,128-82 0,-165 94-162,13-13-822,-31 20-3010</inkml:trace>
+  <inkml:trace contextRef="#ctx0" brushRef="#br0">6 68 844,'-6'-2'13479,"66"107"-11672,-58-103-1774,-1 0 0,1 0 0,-1 0 0,1-1 0,0 1 0,0-1 0,0 1 0,0-1 0,0 0 0,0 0 0,0 0 0,0 0 0,0 0 0,0 0 0,4 0 0,31 5 250,-18-7-230,0 0 1,0-1-1,0-1 0,-1-1 1,1-1-1,30-11 1,-46 15-49,146-55 164,-34 13-65,24-16 41,-114 52-269,-20 7-3124</inkml:trace>
 </inkml:ink>
 </file>
 
@@ -439,14 +448,14 @@
           <inkml:channelProperty channel="F" name="resolution" value="0" units="1/dev"/>
         </inkml:channelProperties>
       </inkml:inkSource>
-      <inkml:timestamp xml:id="ts0" timeString="2023-06-17T05:58:31.049"/>
+      <inkml:timestamp xml:id="ts0" timeString="2023-05-06T14:24:07.317"/>
     </inkml:context>
     <inkml:brush xml:id="br0">
       <inkml:brushProperty name="width" value="0.05" units="cm"/>
       <inkml:brushProperty name="height" value="0.05" units="cm"/>
     </inkml:brush>
   </inkml:definitions>
-  <inkml:trace contextRef="#ctx0" brushRef="#br0">1 230 920,'0'0'3296,"0"-2"-2906,-1-4-868,1 5 973,0 0 1,0 0-1,1 0 0,-1 0 1,0 0-1,0 0 0,1 0 1,-1 0-1,0 0 1,1 1-1,-1-1 0,1 0 1,1-1-1,-1 0 528,3 5-799,16 14 80,-12-11-103,-1 1 0,1-1 1,0 0-1,0-1 1,18 9-1,-13-10-145,1 0 0,0-2-1,0 1 1,0-2 0,0 0 0,0-1 0,0 0 0,0-1 0,1 0-1,-1-1 1,-1-1 0,17-5 0,19-8 64,93-45 1,-107 44-65,47-25-250,93-65 0,-173 106-79,19-14-319,-12 5-6102</inkml:trace>
+  <inkml:trace contextRef="#ctx0" brushRef="#br0">22 95 1104,'0'0'1100,"-3"-2"-785,-14-14 6036,17 14-6169,-1 0 4,1 1 1,0-1-1,-1 0 0,1 1 0,0-1 1,0 0-1,0 0 0,1 1 0,-1-1 1,0 0-1,1 1 0,-1-1 0,2-2 1,-1 0 786,3 9-880,50 52 446,-52-55-517,1 0 0,-1 0 0,1-1 0,-1 1 0,1-1 0,-1 0 0,1 0 0,0 0 0,0 0 0,-1 0 0,1-1 0,0 1 0,0-1 0,0 0 0,0 0 0,0 0 0,2 0 0,-2 0-11,16-2 24,1 0-1,-1-2 1,0 0 0,0-1 0,-1-1 0,22-9-1,-21 7-14,149-61-294,-165 68-52,0 0 0,0 0 0,0 0 0,0 0 0,0 0 0,6 0 0,-7 1 255,1-1-835</inkml:trace>
 </inkml:ink>
 </file>
 
@@ -736,14 +745,14 @@
           <inkml:channelProperty channel="F" name="resolution" value="0" units="1/dev"/>
         </inkml:channelProperties>
       </inkml:inkSource>
-      <inkml:timestamp xml:id="ts0" timeString="2023-06-17T06:00:33.152"/>
+      <inkml:timestamp xml:id="ts0" timeString="2023-05-06T14:24:10.319"/>
     </inkml:context>
     <inkml:brush xml:id="br0">
       <inkml:brushProperty name="width" value="0.05" units="cm"/>
       <inkml:brushProperty name="height" value="0.05" units="cm"/>
     </inkml:brush>
   </inkml:definitions>
-  <inkml:trace contextRef="#ctx0" brushRef="#br0">48 210 1268,'-11'3'2160,"8"-1"-1383,-8 2 374,3 0 5823,7-4-6836,0-1 1,0 1-1,0-1 1,0 1 0,0-1-1,0 1 1,0-1-1,0 1 1,0-1-1,1 0 1,-1 0-1,0 1 1,1-1 0,-1 0-1,0-1 1,2-12 863,0 7 2804,7 23-3399,0 0 0,-1 1 0,8 26 0,-10-27-219,0 1-1,1-1 0,1 0 1,1-1-1,11 18 0,-16-30-154,0 1-1,0-1 0,0 0 1,1 0-1,-1 0 0,1 0 1,0-1-1,0 1 0,0-1 1,0 0-1,0 0 0,0-1 0,0 1 1,1-1-1,-1 0 0,1 0 1,-1 0-1,1-1 0,-1 0 1,1 1-1,5-2 0,6 0 17,0-2-1,-1 1 1,1-2-1,26-9 1,60-28 103,155-87 0,-199 97-113,32-17-979,129-90 1,-216 135 72,0 0 1,-1 1-1,1-1 1,-1 0-1,0 0 1,3-6-1</inkml:trace>
+  <inkml:trace contextRef="#ctx0" brushRef="#br0">1 73 1212,'0'0'6565,"-1"-2"-6333,22 34 3786,5 12-3936,-23-40-38,0 0 1,-1 0-1,1 0 1,1 0-1,-1-1 0,0 1 1,1-1-1,0 0 1,0 0-1,0 0 0,0-1 1,0 1-1,6 1 1,-3-4 13,19-5 4,0-1 1,0-1 0,28-11 0,154-75 114,-165 71-141,-28 13-63,0 0 0,1 2 1,32-12-1,-47 19-144</inkml:trace>
 </inkml:ink>
 </file>
 
@@ -1036,14 +1045,14 @@
           <inkml:channelProperty channel="F" name="resolution" value="0" units="1/dev"/>
         </inkml:channelProperties>
       </inkml:inkSource>
-      <inkml:timestamp xml:id="ts0" timeString="2023-06-17T06:00:54.545"/>
+      <inkml:timestamp xml:id="ts0" timeString="2023-05-06T14:24:56.721"/>
     </inkml:context>
     <inkml:brush xml:id="br0">
       <inkml:brushProperty name="width" value="0.05" units="cm"/>
       <inkml:brushProperty name="height" value="0.05" units="cm"/>
     </inkml:brush>
   </inkml:definitions>
-  <inkml:trace contextRef="#ctx0" brushRef="#br0">12 276 900,'-5'-10'3966,"4"8"-3593,-4-12 3265,6 21 236,6 18-2304,-3-14-1331,1 0-1,0 0 1,10 17 0,-12-23-179,0-1 0,0 0-1,0 0 1,1 0 0,0 0-1,0 0 1,0-1 0,0 0 0,6 4-1,-6-5-29,0-1 0,1 1 0,-1-1-1,0 0 1,1 0 0,-1-1 0,1 1-1,-1-1 1,1 0 0,-1 0 0,1-1-1,-1 1 1,1-1 0,-1 0 0,6-2-1,8-3 24,0 0-1,19-11 0,-32 14-38,62-33 143,116-83 0,-90 55-107,32-24-852,-104 69 419,-6 4-1499,-1 6-3925,-5 4 2129</inkml:trace>
+  <inkml:trace contextRef="#ctx0" brushRef="#br0">1 93 1136,'0'0'4075,"8"-14"7825,-8 13-11748,37 53 578,-33-46-623,1-1 0,0 0 0,0 0 0,1 0 0,0 0 1,-1-1-1,13 7 0,-14-10-88,0 0 1,0 0-1,-1 0 1,1-1 0,0 1-1,0-1 1,0 0-1,-1 0 1,7-1-1,-2 0 16,11-1 13,-1 0 1,0-2-1,34-10 1,51-27 37,-63 25-50,138-65-710,-164 75-126,11-4 295,-4 7-8614</inkml:trace>
 </inkml:ink>
 </file>
 
@@ -1333,14 +1342,14 @@
           <inkml:channelProperty channel="F" name="resolution" value="0" units="1/dev"/>
         </inkml:channelProperties>
       </inkml:inkSource>
-      <inkml:timestamp xml:id="ts0" timeString="2023-06-17T06:01:07.435"/>
+      <inkml:timestamp xml:id="ts0" timeString="2023-05-06T14:26:10.310"/>
     </inkml:context>
     <inkml:brush xml:id="br0">
       <inkml:brushProperty name="width" value="0.05" units="cm"/>
       <inkml:brushProperty name="height" value="0.05" units="cm"/>
     </inkml:brush>
   </inkml:definitions>
-  <inkml:trace contextRef="#ctx0" brushRef="#br0">0 156 852,'0'-4'8920,"8"10"-8520,0 0 1,0 1 0,-1 0 0,9 10 0,-6-6 434,21 19 1,-25-26-773,0-1 0,0 1-1,1-1 1,-1 0 0,1-1 0,0 0-1,-1 0 1,1 0 0,0-1 0,1 0-1,-1 0 1,0-1 0,0 0 0,0 0-1,0 0 1,0-1 0,10-2 0,11-4 40,0-1-1,49-20 1,-7-4 86,78-49 0,-121 65-138,78-53-951,-97 62 39,5-3-568,-6 8-4070</inkml:trace>
+  <inkml:trace contextRef="#ctx0" brushRef="#br0">11 113 1092,'0'0'3769,"-11"-6"4960,20 33-8362,2 1-1,14 28 1,-24-54-337,0 0 0,1 0-1,-1 0 1,0-1 0,1 1 0,0-1-1,-1 1 1,1-1 0,0 1 0,0-1 0,-1 0-1,1 0 1,0 0 0,0 0 0,0 0 0,0-1-1,1 1 1,-1 0 0,0-1 0,0 0-1,0 1 1,4-1 0,2 0 31,0 0 1,0-1-1,0 0 1,13-3-1,24-10 41,-1-2 0,0-1 1,41-25-1,-59 29-52,62-34 64,66-30-24,-123 68-695,-20 7-8310</inkml:trace>
 </inkml:ink>
 </file>
 
@@ -2006,7 +2015,7 @@
           <a:p>
             <a:fld id="{0F9EFA96-B092-4D87-953B-9CAB67079AB0}" type="datetimeFigureOut">
               <a:rPr lang="en-IN" smtClean="0"/>
-              <a:t>17-06-2023</a:t>
+              <a:t>18-06-2023</a:t>
             </a:fld>
             <a:endParaRPr lang="en-IN"/>
           </a:p>
@@ -2206,7 +2215,7 @@
           <a:p>
             <a:fld id="{0F9EFA96-B092-4D87-953B-9CAB67079AB0}" type="datetimeFigureOut">
               <a:rPr lang="en-IN" smtClean="0"/>
-              <a:t>17-06-2023</a:t>
+              <a:t>18-06-2023</a:t>
             </a:fld>
             <a:endParaRPr lang="en-IN"/>
           </a:p>
@@ -2416,7 +2425,7 @@
           <a:p>
             <a:fld id="{0F9EFA96-B092-4D87-953B-9CAB67079AB0}" type="datetimeFigureOut">
               <a:rPr lang="en-IN" smtClean="0"/>
-              <a:t>17-06-2023</a:t>
+              <a:t>18-06-2023</a:t>
             </a:fld>
             <a:endParaRPr lang="en-IN"/>
           </a:p>
@@ -2616,7 +2625,7 @@
           <a:p>
             <a:fld id="{0F9EFA96-B092-4D87-953B-9CAB67079AB0}" type="datetimeFigureOut">
               <a:rPr lang="en-IN" smtClean="0"/>
-              <a:t>17-06-2023</a:t>
+              <a:t>18-06-2023</a:t>
             </a:fld>
             <a:endParaRPr lang="en-IN"/>
           </a:p>
@@ -2892,7 +2901,7 @@
           <a:p>
             <a:fld id="{0F9EFA96-B092-4D87-953B-9CAB67079AB0}" type="datetimeFigureOut">
               <a:rPr lang="en-IN" smtClean="0"/>
-              <a:t>17-06-2023</a:t>
+              <a:t>18-06-2023</a:t>
             </a:fld>
             <a:endParaRPr lang="en-IN"/>
           </a:p>
@@ -3160,7 +3169,7 @@
           <a:p>
             <a:fld id="{0F9EFA96-B092-4D87-953B-9CAB67079AB0}" type="datetimeFigureOut">
               <a:rPr lang="en-IN" smtClean="0"/>
-              <a:t>17-06-2023</a:t>
+              <a:t>18-06-2023</a:t>
             </a:fld>
             <a:endParaRPr lang="en-IN"/>
           </a:p>
@@ -3575,7 +3584,7 @@
           <a:p>
             <a:fld id="{0F9EFA96-B092-4D87-953B-9CAB67079AB0}" type="datetimeFigureOut">
               <a:rPr lang="en-IN" smtClean="0"/>
-              <a:t>17-06-2023</a:t>
+              <a:t>18-06-2023</a:t>
             </a:fld>
             <a:endParaRPr lang="en-IN"/>
           </a:p>
@@ -3717,7 +3726,7 @@
           <a:p>
             <a:fld id="{0F9EFA96-B092-4D87-953B-9CAB67079AB0}" type="datetimeFigureOut">
               <a:rPr lang="en-IN" smtClean="0"/>
-              <a:t>17-06-2023</a:t>
+              <a:t>18-06-2023</a:t>
             </a:fld>
             <a:endParaRPr lang="en-IN"/>
           </a:p>
@@ -3830,7 +3839,7 @@
           <a:p>
             <a:fld id="{0F9EFA96-B092-4D87-953B-9CAB67079AB0}" type="datetimeFigureOut">
               <a:rPr lang="en-IN" smtClean="0"/>
-              <a:t>17-06-2023</a:t>
+              <a:t>18-06-2023</a:t>
             </a:fld>
             <a:endParaRPr lang="en-IN"/>
           </a:p>
@@ -4143,7 +4152,7 @@
           <a:p>
             <a:fld id="{0F9EFA96-B092-4D87-953B-9CAB67079AB0}" type="datetimeFigureOut">
               <a:rPr lang="en-IN" smtClean="0"/>
-              <a:t>17-06-2023</a:t>
+              <a:t>18-06-2023</a:t>
             </a:fld>
             <a:endParaRPr lang="en-IN"/>
           </a:p>
@@ -4432,7 +4441,7 @@
           <a:p>
             <a:fld id="{0F9EFA96-B092-4D87-953B-9CAB67079AB0}" type="datetimeFigureOut">
               <a:rPr lang="en-IN" smtClean="0"/>
-              <a:t>17-06-2023</a:t>
+              <a:t>18-06-2023</a:t>
             </a:fld>
             <a:endParaRPr lang="en-IN"/>
           </a:p>
@@ -4675,7 +4684,7 @@
           <a:p>
             <a:fld id="{0F9EFA96-B092-4D87-953B-9CAB67079AB0}" type="datetimeFigureOut">
               <a:rPr lang="en-IN" smtClean="0"/>
-              <a:t>17-06-2023</a:t>
+              <a:t>18-06-2023</a:t>
             </a:fld>
             <a:endParaRPr lang="en-IN"/>
           </a:p>
@@ -6954,6 +6963,389 @@
 </p:sld>
 </file>
 
+<file path=ppt/slides/slide16.xml><?xml version="1.0" encoding="utf-8"?>
+<p:sld xmlns:a="http://schemas.openxmlformats.org/drawingml/2006/main" xmlns:r="http://schemas.openxmlformats.org/officeDocument/2006/relationships" xmlns:p="http://schemas.openxmlformats.org/presentationml/2006/main">
+  <p:cSld>
+    <p:spTree>
+      <p:nvGrpSpPr>
+        <p:cNvPr id="1" name=""/>
+        <p:cNvGrpSpPr/>
+        <p:nvPr/>
+      </p:nvGrpSpPr>
+      <p:grpSpPr>
+        <a:xfrm>
+          <a:off x="0" y="0"/>
+          <a:ext cx="0" cy="0"/>
+          <a:chOff x="0" y="0"/>
+          <a:chExt cx="0" cy="0"/>
+        </a:xfrm>
+      </p:grpSpPr>
+      <p:sp>
+        <p:nvSpPr>
+          <p:cNvPr id="2" name="Title 1">
+            <a:extLst>
+              <a:ext uri="{FF2B5EF4-FFF2-40B4-BE49-F238E27FC236}">
+                <a16:creationId xmlns:a16="http://schemas.microsoft.com/office/drawing/2014/main" id="{72429780-5FF7-A748-D729-0A7D2007A0B7}"/>
+              </a:ext>
+            </a:extLst>
+          </p:cNvPr>
+          <p:cNvSpPr>
+            <a:spLocks noGrp="1"/>
+          </p:cNvSpPr>
+          <p:nvPr>
+            <p:ph type="title"/>
+          </p:nvPr>
+        </p:nvSpPr>
+        <p:spPr/>
+        <p:txBody>
+          <a:bodyPr/>
+          <a:lstStyle/>
+          <a:p>
+            <a:r>
+              <a:rPr lang="en-US" dirty="0"/>
+              <a:t>Shared Access Signature</a:t>
+            </a:r>
+            <a:endParaRPr lang="en-IN" dirty="0"/>
+          </a:p>
+        </p:txBody>
+      </p:sp>
+      <p:sp>
+        <p:nvSpPr>
+          <p:cNvPr id="3" name="Content Placeholder 2">
+            <a:extLst>
+              <a:ext uri="{FF2B5EF4-FFF2-40B4-BE49-F238E27FC236}">
+                <a16:creationId xmlns:a16="http://schemas.microsoft.com/office/drawing/2014/main" id="{5C7560D3-5CB4-BE4F-7296-1599740D7208}"/>
+              </a:ext>
+            </a:extLst>
+          </p:cNvPr>
+          <p:cNvSpPr>
+            <a:spLocks noGrp="1"/>
+          </p:cNvSpPr>
+          <p:nvPr>
+            <p:ph idx="1"/>
+          </p:nvPr>
+        </p:nvSpPr>
+        <p:spPr/>
+        <p:txBody>
+          <a:bodyPr/>
+          <a:lstStyle/>
+          <a:p>
+            <a:r>
+              <a:rPr lang="en-US" dirty="0"/>
+              <a:t>SAS is a URI that grants restricted access rights to Azure Storage resources.</a:t>
+            </a:r>
+          </a:p>
+          <a:p>
+            <a:pPr lvl="1"/>
+            <a:r>
+              <a:rPr lang="en-US" dirty="0"/>
+              <a:t>Account Level SAS</a:t>
+            </a:r>
+          </a:p>
+          <a:p>
+            <a:pPr lvl="1"/>
+            <a:r>
+              <a:rPr lang="en-US" dirty="0"/>
+              <a:t>Service Level SAS</a:t>
+            </a:r>
+            <a:endParaRPr lang="en-IN" dirty="0"/>
+          </a:p>
+        </p:txBody>
+      </p:sp>
+    </p:spTree>
+    <p:extLst>
+      <p:ext uri="{BB962C8B-B14F-4D97-AF65-F5344CB8AC3E}">
+        <p14:creationId xmlns:p14="http://schemas.microsoft.com/office/powerpoint/2010/main" val="1791055724"/>
+      </p:ext>
+    </p:extLst>
+  </p:cSld>
+  <p:clrMapOvr>
+    <a:masterClrMapping/>
+  </p:clrMapOvr>
+</p:sld>
+</file>
+
+<file path=ppt/slides/slide17.xml><?xml version="1.0" encoding="utf-8"?>
+<p:sld xmlns:a="http://schemas.openxmlformats.org/drawingml/2006/main" xmlns:r="http://schemas.openxmlformats.org/officeDocument/2006/relationships" xmlns:p="http://schemas.openxmlformats.org/presentationml/2006/main">
+  <p:cSld>
+    <p:spTree>
+      <p:nvGrpSpPr>
+        <p:cNvPr id="1" name=""/>
+        <p:cNvGrpSpPr/>
+        <p:nvPr/>
+      </p:nvGrpSpPr>
+      <p:grpSpPr>
+        <a:xfrm>
+          <a:off x="0" y="0"/>
+          <a:ext cx="0" cy="0"/>
+          <a:chOff x="0" y="0"/>
+          <a:chExt cx="0" cy="0"/>
+        </a:xfrm>
+      </p:grpSpPr>
+      <p:sp>
+        <p:nvSpPr>
+          <p:cNvPr id="2" name="Title 1">
+            <a:extLst>
+              <a:ext uri="{FF2B5EF4-FFF2-40B4-BE49-F238E27FC236}">
+                <a16:creationId xmlns:a16="http://schemas.microsoft.com/office/drawing/2014/main" id="{08A0AEF3-A927-555A-E764-0BA4BB557C82}"/>
+              </a:ext>
+            </a:extLst>
+          </p:cNvPr>
+          <p:cNvSpPr>
+            <a:spLocks noGrp="1"/>
+          </p:cNvSpPr>
+          <p:nvPr>
+            <p:ph type="title"/>
+          </p:nvPr>
+        </p:nvSpPr>
+        <p:spPr/>
+        <p:txBody>
+          <a:bodyPr/>
+          <a:lstStyle/>
+          <a:p>
+            <a:r>
+              <a:rPr lang="en-US" dirty="0"/>
+              <a:t>Configuring SAS</a:t>
+            </a:r>
+            <a:endParaRPr lang="en-IN" dirty="0"/>
+          </a:p>
+        </p:txBody>
+      </p:sp>
+      <p:sp>
+        <p:nvSpPr>
+          <p:cNvPr id="3" name="Content Placeholder 2">
+            <a:extLst>
+              <a:ext uri="{FF2B5EF4-FFF2-40B4-BE49-F238E27FC236}">
+                <a16:creationId xmlns:a16="http://schemas.microsoft.com/office/drawing/2014/main" id="{608C6CE6-7F97-01A2-4E11-C117C022E7B6}"/>
+              </a:ext>
+            </a:extLst>
+          </p:cNvPr>
+          <p:cNvSpPr>
+            <a:spLocks noGrp="1"/>
+          </p:cNvSpPr>
+          <p:nvPr>
+            <p:ph idx="1"/>
+          </p:nvPr>
+        </p:nvSpPr>
+        <p:spPr/>
+        <p:txBody>
+          <a:bodyPr/>
+          <a:lstStyle/>
+          <a:p>
+            <a:r>
+              <a:rPr lang="en-US" dirty="0"/>
+              <a:t>URI = Storage Resource + SAS Token</a:t>
+            </a:r>
+          </a:p>
+          <a:p>
+            <a:r>
+              <a:rPr lang="en-IN" dirty="0">
+                <a:hlinkClick r:id="rId2"/>
+              </a:rPr>
+              <a:t>https://ayush.blob.core.windows.net/ayushr/Iphone%20X.jpg</a:t>
+            </a:r>
+            <a:r>
+              <a:rPr lang="en-IN" dirty="0"/>
+              <a:t>?</a:t>
+            </a:r>
+          </a:p>
+          <a:p>
+            <a:r>
+              <a:rPr lang="en-IN" dirty="0" err="1"/>
+              <a:t>sv</a:t>
+            </a:r>
+            <a:r>
+              <a:rPr lang="en-IN" dirty="0"/>
+              <a:t>=2022-11-02&amp;ss=bfqt&amp;srt=sco&amp;sp=rtfx&amp;se=2023-06-18T04:02:25Z&amp;st=2023-06-18T04:00:25Z&amp;spr=https&amp;sig=4Eomp8e2LnSNJdZVrdTf%2Fk%2FeZhQ9Qt6t9a2Ao28AfiY%3D</a:t>
+            </a:r>
+          </a:p>
+        </p:txBody>
+      </p:sp>
+    </p:spTree>
+    <p:extLst>
+      <p:ext uri="{BB962C8B-B14F-4D97-AF65-F5344CB8AC3E}">
+        <p14:creationId xmlns:p14="http://schemas.microsoft.com/office/powerpoint/2010/main" val="1969348774"/>
+      </p:ext>
+    </p:extLst>
+  </p:cSld>
+  <p:clrMapOvr>
+    <a:masterClrMapping/>
+  </p:clrMapOvr>
+</p:sld>
+</file>
+
+<file path=ppt/slides/slide18.xml><?xml version="1.0" encoding="utf-8"?>
+<p:sld xmlns:a="http://schemas.openxmlformats.org/drawingml/2006/main" xmlns:r="http://schemas.openxmlformats.org/officeDocument/2006/relationships" xmlns:p="http://schemas.openxmlformats.org/presentationml/2006/main">
+  <p:cSld>
+    <p:spTree>
+      <p:nvGrpSpPr>
+        <p:cNvPr id="1" name=""/>
+        <p:cNvGrpSpPr/>
+        <p:nvPr/>
+      </p:nvGrpSpPr>
+      <p:grpSpPr>
+        <a:xfrm>
+          <a:off x="0" y="0"/>
+          <a:ext cx="0" cy="0"/>
+          <a:chOff x="0" y="0"/>
+          <a:chExt cx="0" cy="0"/>
+        </a:xfrm>
+      </p:grpSpPr>
+      <p:sp>
+        <p:nvSpPr>
+          <p:cNvPr id="2" name="Title 1">
+            <a:extLst>
+              <a:ext uri="{FF2B5EF4-FFF2-40B4-BE49-F238E27FC236}">
+                <a16:creationId xmlns:a16="http://schemas.microsoft.com/office/drawing/2014/main" id="{6F853902-49B1-AB4B-F93C-3DB36AB528A9}"/>
+              </a:ext>
+            </a:extLst>
+          </p:cNvPr>
+          <p:cNvSpPr>
+            <a:spLocks noGrp="1"/>
+          </p:cNvSpPr>
+          <p:nvPr>
+            <p:ph type="ctrTitle"/>
+          </p:nvPr>
+        </p:nvSpPr>
+        <p:spPr/>
+        <p:txBody>
+          <a:bodyPr/>
+          <a:lstStyle/>
+          <a:p>
+            <a:r>
+              <a:rPr lang="en-US" dirty="0"/>
+              <a:t>Azure Files</a:t>
+            </a:r>
+            <a:endParaRPr lang="en-IN" dirty="0"/>
+          </a:p>
+        </p:txBody>
+      </p:sp>
+      <p:sp>
+        <p:nvSpPr>
+          <p:cNvPr id="3" name="Subtitle 2">
+            <a:extLst>
+              <a:ext uri="{FF2B5EF4-FFF2-40B4-BE49-F238E27FC236}">
+                <a16:creationId xmlns:a16="http://schemas.microsoft.com/office/drawing/2014/main" id="{0E781C27-1BD6-2AA3-3F88-63E84077F1D9}"/>
+              </a:ext>
+            </a:extLst>
+          </p:cNvPr>
+          <p:cNvSpPr>
+            <a:spLocks noGrp="1"/>
+          </p:cNvSpPr>
+          <p:nvPr>
+            <p:ph type="subTitle" idx="1"/>
+          </p:nvPr>
+        </p:nvSpPr>
+        <p:spPr/>
+        <p:txBody>
+          <a:bodyPr/>
+          <a:lstStyle/>
+          <a:p>
+            <a:endParaRPr lang="en-IN"/>
+          </a:p>
+        </p:txBody>
+      </p:sp>
+    </p:spTree>
+    <p:extLst>
+      <p:ext uri="{BB962C8B-B14F-4D97-AF65-F5344CB8AC3E}">
+        <p14:creationId xmlns:p14="http://schemas.microsoft.com/office/powerpoint/2010/main" val="4069751044"/>
+      </p:ext>
+    </p:extLst>
+  </p:cSld>
+  <p:clrMapOvr>
+    <a:masterClrMapping/>
+  </p:clrMapOvr>
+</p:sld>
+</file>
+
+<file path=ppt/slides/slide19.xml><?xml version="1.0" encoding="utf-8"?>
+<p:sld xmlns:a="http://schemas.openxmlformats.org/drawingml/2006/main" xmlns:r="http://schemas.openxmlformats.org/officeDocument/2006/relationships" xmlns:p="http://schemas.openxmlformats.org/presentationml/2006/main">
+  <p:cSld>
+    <p:spTree>
+      <p:nvGrpSpPr>
+        <p:cNvPr id="1" name=""/>
+        <p:cNvGrpSpPr/>
+        <p:nvPr/>
+      </p:nvGrpSpPr>
+      <p:grpSpPr>
+        <a:xfrm>
+          <a:off x="0" y="0"/>
+          <a:ext cx="0" cy="0"/>
+          <a:chOff x="0" y="0"/>
+          <a:chExt cx="0" cy="0"/>
+        </a:xfrm>
+      </p:grpSpPr>
+      <p:sp>
+        <p:nvSpPr>
+          <p:cNvPr id="2" name="Title 1">
+            <a:extLst>
+              <a:ext uri="{FF2B5EF4-FFF2-40B4-BE49-F238E27FC236}">
+                <a16:creationId xmlns:a16="http://schemas.microsoft.com/office/drawing/2014/main" id="{1B20CB0D-2B32-8BA6-CBB2-76B573E3E0C4}"/>
+              </a:ext>
+            </a:extLst>
+          </p:cNvPr>
+          <p:cNvSpPr>
+            <a:spLocks noGrp="1"/>
+          </p:cNvSpPr>
+          <p:nvPr>
+            <p:ph type="title"/>
+          </p:nvPr>
+        </p:nvSpPr>
+        <p:spPr/>
+        <p:txBody>
+          <a:bodyPr/>
+          <a:lstStyle/>
+          <a:p>
+            <a:r>
+              <a:rPr lang="en-US" dirty="0"/>
+              <a:t>Azure Files</a:t>
+            </a:r>
+            <a:endParaRPr lang="en-IN" dirty="0"/>
+          </a:p>
+        </p:txBody>
+      </p:sp>
+      <p:sp>
+        <p:nvSpPr>
+          <p:cNvPr id="3" name="Content Placeholder 2">
+            <a:extLst>
+              <a:ext uri="{FF2B5EF4-FFF2-40B4-BE49-F238E27FC236}">
+                <a16:creationId xmlns:a16="http://schemas.microsoft.com/office/drawing/2014/main" id="{F7D0211F-17E0-4DD3-8B88-C3348830ACED}"/>
+              </a:ext>
+            </a:extLst>
+          </p:cNvPr>
+          <p:cNvSpPr>
+            <a:spLocks noGrp="1"/>
+          </p:cNvSpPr>
+          <p:nvPr>
+            <p:ph idx="1"/>
+          </p:nvPr>
+        </p:nvSpPr>
+        <p:spPr/>
+        <p:txBody>
+          <a:bodyPr/>
+          <a:lstStyle/>
+          <a:p>
+            <a:r>
+              <a:rPr lang="en-US" dirty="0"/>
+              <a:t>Files shares offer shared storage for application using the industry standard SMB protocol</a:t>
+            </a:r>
+            <a:endParaRPr lang="en-IN" dirty="0"/>
+          </a:p>
+        </p:txBody>
+      </p:sp>
+    </p:spTree>
+    <p:extLst>
+      <p:ext uri="{BB962C8B-B14F-4D97-AF65-F5344CB8AC3E}">
+        <p14:creationId xmlns:p14="http://schemas.microsoft.com/office/powerpoint/2010/main" val="2350448501"/>
+      </p:ext>
+    </p:extLst>
+  </p:cSld>
+  <p:clrMapOvr>
+    <a:masterClrMapping/>
+  </p:clrMapOvr>
+</p:sld>
+</file>
+
 <file path=ppt/slides/slide2.xml><?xml version="1.0" encoding="utf-8"?>
 <p:sld xmlns:a="http://schemas.openxmlformats.org/drawingml/2006/main" xmlns:r="http://schemas.openxmlformats.org/officeDocument/2006/relationships" xmlns:p="http://schemas.openxmlformats.org/presentationml/2006/main">
   <p:cSld>
@@ -7069,14 +7461,14 @@
           </a:p>
         </p:txBody>
       </p:sp>
-      <mc:AlternateContent xmlns:mc="http://schemas.openxmlformats.org/markup-compatibility/2006">
-        <mc:Choice xmlns:p14="http://schemas.microsoft.com/office/powerpoint/2010/main" Requires="p14">
+      <mc:AlternateContent xmlns:mc="http://schemas.openxmlformats.org/markup-compatibility/2006" xmlns:p14="http://schemas.microsoft.com/office/powerpoint/2010/main">
+        <mc:Choice Requires="p14">
           <p:contentPart p14:bwMode="auto" r:id="rId2">
             <p14:nvContentPartPr>
-              <p14:cNvPr id="5" name="Ink 4">
+              <p14:cNvPr id="8" name="Ink 7">
                 <a:extLst>
                   <a:ext uri="{FF2B5EF4-FFF2-40B4-BE49-F238E27FC236}">
-                    <a16:creationId xmlns:a16="http://schemas.microsoft.com/office/drawing/2014/main" id="{BC0B8CC8-8D96-1C9D-6DA7-3AA30AE1FA49}"/>
+                    <a16:creationId xmlns:a16="http://schemas.microsoft.com/office/drawing/2014/main" id="{47F50126-486E-8E06-9AB6-6BF554EC35C8}"/>
                   </a:ext>
                 </a:extLst>
               </p14:cNvPr>
@@ -7084,18 +7476,18 @@
               <p14:nvPr/>
             </p14:nvContentPartPr>
             <p14:xfrm>
-              <a:off x="5262207" y="2963561"/>
-              <a:ext cx="319320" cy="97200"/>
+              <a:off x="5176887" y="2966081"/>
+              <a:ext cx="262800" cy="71640"/>
             </p14:xfrm>
           </p:contentPart>
         </mc:Choice>
-        <mc:Fallback>
+        <mc:Fallback xmlns="">
           <p:pic>
             <p:nvPicPr>
-              <p:cNvPr id="5" name="Ink 4">
+              <p:cNvPr id="8" name="Ink 7">
                 <a:extLst>
                   <a:ext uri="{FF2B5EF4-FFF2-40B4-BE49-F238E27FC236}">
-                    <a16:creationId xmlns:a16="http://schemas.microsoft.com/office/drawing/2014/main" id="{BC0B8CC8-8D96-1C9D-6DA7-3AA30AE1FA49}"/>
+                    <a16:creationId xmlns:a16="http://schemas.microsoft.com/office/drawing/2014/main" id="{47F50126-486E-8E06-9AB6-6BF554EC35C8}"/>
                   </a:ext>
                 </a:extLst>
               </p:cNvPr>
@@ -7110,8 +7502,8 @@
             </p:blipFill>
             <p:spPr>
               <a:xfrm>
-                <a:off x="5253207" y="2954561"/>
-                <a:ext cx="336960" cy="114840"/>
+                <a:off x="5167887" y="2957441"/>
+                <a:ext cx="280440" cy="89280"/>
               </a:xfrm>
               <a:prstGeom prst="rect">
                 <a:avLst/>
@@ -7120,14 +7512,14 @@
           </p:pic>
         </mc:Fallback>
       </mc:AlternateContent>
-      <mc:AlternateContent xmlns:mc="http://schemas.openxmlformats.org/markup-compatibility/2006">
-        <mc:Choice xmlns:p14="http://schemas.microsoft.com/office/powerpoint/2010/main" Requires="p14">
+      <mc:AlternateContent xmlns:mc="http://schemas.openxmlformats.org/markup-compatibility/2006" xmlns:p14="http://schemas.microsoft.com/office/powerpoint/2010/main">
+        <mc:Choice Requires="p14">
           <p:contentPart p14:bwMode="auto" r:id="rId4">
             <p14:nvContentPartPr>
-              <p14:cNvPr id="6" name="Ink 5">
+              <p14:cNvPr id="9" name="Ink 8">
                 <a:extLst>
                   <a:ext uri="{FF2B5EF4-FFF2-40B4-BE49-F238E27FC236}">
-                    <a16:creationId xmlns:a16="http://schemas.microsoft.com/office/drawing/2014/main" id="{F8B78376-41B0-1005-392E-3BDDD271DC44}"/>
+                    <a16:creationId xmlns:a16="http://schemas.microsoft.com/office/drawing/2014/main" id="{F976EAD5-22BC-42C7-6E15-9D7682C922D5}"/>
                   </a:ext>
                 </a:extLst>
               </p14:cNvPr>
@@ -7135,18 +7527,18 @@
               <p14:nvPr/>
             </p14:nvContentPartPr>
             <p14:xfrm>
-              <a:off x="2561847" y="3271361"/>
-              <a:ext cx="291240" cy="102960"/>
+              <a:off x="2488767" y="3359561"/>
+              <a:ext cx="176760" cy="44640"/>
             </p14:xfrm>
           </p:contentPart>
         </mc:Choice>
-        <mc:Fallback>
+        <mc:Fallback xmlns="">
           <p:pic>
             <p:nvPicPr>
-              <p:cNvPr id="6" name="Ink 5">
+              <p:cNvPr id="9" name="Ink 8">
                 <a:extLst>
                   <a:ext uri="{FF2B5EF4-FFF2-40B4-BE49-F238E27FC236}">
-                    <a16:creationId xmlns:a16="http://schemas.microsoft.com/office/drawing/2014/main" id="{F8B78376-41B0-1005-392E-3BDDD271DC44}"/>
+                    <a16:creationId xmlns:a16="http://schemas.microsoft.com/office/drawing/2014/main" id="{F976EAD5-22BC-42C7-6E15-9D7682C922D5}"/>
                   </a:ext>
                 </a:extLst>
               </p:cNvPr>
@@ -7161,8 +7553,8 @@
             </p:blipFill>
             <p:spPr>
               <a:xfrm>
-                <a:off x="2552847" y="3262721"/>
-                <a:ext cx="308880" cy="120600"/>
+                <a:off x="2479767" y="3350561"/>
+                <a:ext cx="194400" cy="62280"/>
               </a:xfrm>
               <a:prstGeom prst="rect">
                 <a:avLst/>
@@ -7171,14 +7563,14 @@
           </p:pic>
         </mc:Fallback>
       </mc:AlternateContent>
-      <mc:AlternateContent xmlns:mc="http://schemas.openxmlformats.org/markup-compatibility/2006">
-        <mc:Choice xmlns:p14="http://schemas.microsoft.com/office/powerpoint/2010/main" Requires="p14">
+      <mc:AlternateContent xmlns:mc="http://schemas.openxmlformats.org/markup-compatibility/2006" xmlns:p14="http://schemas.microsoft.com/office/powerpoint/2010/main">
+        <mc:Choice Requires="p14">
           <p:contentPart p14:bwMode="auto" r:id="rId6">
             <p14:nvContentPartPr>
-              <p14:cNvPr id="7" name="Ink 6">
+              <p14:cNvPr id="10" name="Ink 9">
                 <a:extLst>
                   <a:ext uri="{FF2B5EF4-FFF2-40B4-BE49-F238E27FC236}">
-                    <a16:creationId xmlns:a16="http://schemas.microsoft.com/office/drawing/2014/main" id="{06F51823-733D-7073-BDDB-7C4F8F2D9CB0}"/>
+                    <a16:creationId xmlns:a16="http://schemas.microsoft.com/office/drawing/2014/main" id="{F308DAB4-2C69-C74B-9FB5-772A7B194F43}"/>
                   </a:ext>
                 </a:extLst>
               </p14:cNvPr>
@@ -7186,18 +7578,18 @@
               <p14:nvPr/>
             </p14:nvContentPartPr>
             <p14:xfrm>
-              <a:off x="2701527" y="3686441"/>
-              <a:ext cx="372600" cy="157320"/>
+              <a:off x="2699007" y="3739001"/>
+              <a:ext cx="211680" cy="70560"/>
             </p14:xfrm>
           </p:contentPart>
         </mc:Choice>
-        <mc:Fallback>
+        <mc:Fallback xmlns="">
           <p:pic>
             <p:nvPicPr>
-              <p:cNvPr id="7" name="Ink 6">
+              <p:cNvPr id="10" name="Ink 9">
                 <a:extLst>
                   <a:ext uri="{FF2B5EF4-FFF2-40B4-BE49-F238E27FC236}">
-                    <a16:creationId xmlns:a16="http://schemas.microsoft.com/office/drawing/2014/main" id="{06F51823-733D-7073-BDDB-7C4F8F2D9CB0}"/>
+                    <a16:creationId xmlns:a16="http://schemas.microsoft.com/office/drawing/2014/main" id="{F308DAB4-2C69-C74B-9FB5-772A7B194F43}"/>
                   </a:ext>
                 </a:extLst>
               </p:cNvPr>
@@ -7212,8 +7604,8 @@
             </p:blipFill>
             <p:spPr>
               <a:xfrm>
-                <a:off x="2692887" y="3677801"/>
-                <a:ext cx="390240" cy="174960"/>
+                <a:off x="2690007" y="3730001"/>
+                <a:ext cx="229320" cy="88200"/>
               </a:xfrm>
               <a:prstGeom prst="rect">
                 <a:avLst/>
@@ -7222,14 +7614,14 @@
           </p:pic>
         </mc:Fallback>
       </mc:AlternateContent>
-      <mc:AlternateContent xmlns:mc="http://schemas.openxmlformats.org/markup-compatibility/2006">
-        <mc:Choice xmlns:p14="http://schemas.microsoft.com/office/powerpoint/2010/main" Requires="p14">
+      <mc:AlternateContent xmlns:mc="http://schemas.openxmlformats.org/markup-compatibility/2006" xmlns:p14="http://schemas.microsoft.com/office/powerpoint/2010/main">
+        <mc:Choice Requires="p14">
           <p:contentPart p14:bwMode="auto" r:id="rId8">
             <p14:nvContentPartPr>
-              <p14:cNvPr id="13" name="Ink 12">
+              <p14:cNvPr id="11" name="Ink 10">
                 <a:extLst>
                   <a:ext uri="{FF2B5EF4-FFF2-40B4-BE49-F238E27FC236}">
-                    <a16:creationId xmlns:a16="http://schemas.microsoft.com/office/drawing/2014/main" id="{5B904070-118B-A123-F4BD-8324D02CB05D}"/>
+                    <a16:creationId xmlns:a16="http://schemas.microsoft.com/office/drawing/2014/main" id="{0B4A6B3C-BFE4-EFDC-00A6-CF7086CC3AC9}"/>
                   </a:ext>
                 </a:extLst>
               </p14:cNvPr>
@@ -7237,18 +7629,18 @@
               <p14:nvPr/>
             </p14:nvContentPartPr>
             <p14:xfrm>
-              <a:off x="2920407" y="4027721"/>
-              <a:ext cx="274320" cy="141840"/>
+              <a:off x="2871807" y="4086401"/>
+              <a:ext cx="230400" cy="65160"/>
             </p14:xfrm>
           </p:contentPart>
         </mc:Choice>
-        <mc:Fallback>
+        <mc:Fallback xmlns="">
           <p:pic>
             <p:nvPicPr>
-              <p:cNvPr id="13" name="Ink 12">
+              <p:cNvPr id="11" name="Ink 10">
                 <a:extLst>
                   <a:ext uri="{FF2B5EF4-FFF2-40B4-BE49-F238E27FC236}">
-                    <a16:creationId xmlns:a16="http://schemas.microsoft.com/office/drawing/2014/main" id="{5B904070-118B-A123-F4BD-8324D02CB05D}"/>
+                    <a16:creationId xmlns:a16="http://schemas.microsoft.com/office/drawing/2014/main" id="{0B4A6B3C-BFE4-EFDC-00A6-CF7086CC3AC9}"/>
                   </a:ext>
                 </a:extLst>
               </p:cNvPr>
@@ -7263,8 +7655,8 @@
             </p:blipFill>
             <p:spPr>
               <a:xfrm>
-                <a:off x="2911767" y="4019081"/>
-                <a:ext cx="291960" cy="159480"/>
+                <a:off x="2863167" y="4077401"/>
+                <a:ext cx="248040" cy="82800"/>
               </a:xfrm>
               <a:prstGeom prst="rect">
                 <a:avLst/>
@@ -7273,14 +7665,14 @@
           </p:pic>
         </mc:Fallback>
       </mc:AlternateContent>
-      <mc:AlternateContent xmlns:mc="http://schemas.openxmlformats.org/markup-compatibility/2006">
-        <mc:Choice xmlns:p14="http://schemas.microsoft.com/office/powerpoint/2010/main" Requires="p14">
+      <mc:AlternateContent xmlns:mc="http://schemas.openxmlformats.org/markup-compatibility/2006" xmlns:p14="http://schemas.microsoft.com/office/powerpoint/2010/main">
+        <mc:Choice Requires="p14">
           <p:contentPart p14:bwMode="auto" r:id="rId10">
             <p14:nvContentPartPr>
-              <p14:cNvPr id="19" name="Ink 18">
+              <p14:cNvPr id="17" name="Ink 16">
                 <a:extLst>
                   <a:ext uri="{FF2B5EF4-FFF2-40B4-BE49-F238E27FC236}">
-                    <a16:creationId xmlns:a16="http://schemas.microsoft.com/office/drawing/2014/main" id="{E7C2BD26-C5CF-0F55-1BA0-110E47297FD3}"/>
+                    <a16:creationId xmlns:a16="http://schemas.microsoft.com/office/drawing/2014/main" id="{0795FF97-6AAB-DB91-4B47-CF179264AF9A}"/>
                   </a:ext>
                 </a:extLst>
               </p14:cNvPr>
@@ -7288,18 +7680,18 @@
               <p14:nvPr/>
             </p14:nvContentPartPr>
             <p14:xfrm>
-              <a:off x="3017967" y="4510841"/>
-              <a:ext cx="263520" cy="95400"/>
+              <a:off x="2977647" y="4516961"/>
+              <a:ext cx="241920" cy="87840"/>
             </p14:xfrm>
           </p:contentPart>
         </mc:Choice>
-        <mc:Fallback>
+        <mc:Fallback xmlns="">
           <p:pic>
             <p:nvPicPr>
-              <p:cNvPr id="19" name="Ink 18">
+              <p:cNvPr id="17" name="Ink 16">
                 <a:extLst>
                   <a:ext uri="{FF2B5EF4-FFF2-40B4-BE49-F238E27FC236}">
-                    <a16:creationId xmlns:a16="http://schemas.microsoft.com/office/drawing/2014/main" id="{E7C2BD26-C5CF-0F55-1BA0-110E47297FD3}"/>
+                    <a16:creationId xmlns:a16="http://schemas.microsoft.com/office/drawing/2014/main" id="{0795FF97-6AAB-DB91-4B47-CF179264AF9A}"/>
                   </a:ext>
                 </a:extLst>
               </p:cNvPr>
@@ -7314,8 +7706,8 @@
             </p:blipFill>
             <p:spPr>
               <a:xfrm>
-                <a:off x="3008967" y="4501841"/>
-                <a:ext cx="281160" cy="113040"/>
+                <a:off x="2968647" y="4508321"/>
+                <a:ext cx="259560" cy="105480"/>
               </a:xfrm>
               <a:prstGeom prst="rect">
                 <a:avLst/>
@@ -7328,6 +7720,504 @@
     <p:extLst>
       <p:ext uri="{BB962C8B-B14F-4D97-AF65-F5344CB8AC3E}">
         <p14:creationId xmlns:p14="http://schemas.microsoft.com/office/powerpoint/2010/main" val="2402100398"/>
+      </p:ext>
+    </p:extLst>
+  </p:cSld>
+  <p:clrMapOvr>
+    <a:masterClrMapping/>
+  </p:clrMapOvr>
+</p:sld>
+</file>
+
+<file path=ppt/slides/slide20.xml><?xml version="1.0" encoding="utf-8"?>
+<p:sld xmlns:a="http://schemas.openxmlformats.org/drawingml/2006/main" xmlns:r="http://schemas.openxmlformats.org/officeDocument/2006/relationships" xmlns:p="http://schemas.openxmlformats.org/presentationml/2006/main">
+  <p:cSld>
+    <p:spTree>
+      <p:nvGrpSpPr>
+        <p:cNvPr id="1" name=""/>
+        <p:cNvGrpSpPr/>
+        <p:nvPr/>
+      </p:nvGrpSpPr>
+      <p:grpSpPr>
+        <a:xfrm>
+          <a:off x="0" y="0"/>
+          <a:ext cx="0" cy="0"/>
+          <a:chOff x="0" y="0"/>
+          <a:chExt cx="0" cy="0"/>
+        </a:xfrm>
+      </p:grpSpPr>
+      <p:sp>
+        <p:nvSpPr>
+          <p:cNvPr id="2" name="Title 1">
+            <a:extLst>
+              <a:ext uri="{FF2B5EF4-FFF2-40B4-BE49-F238E27FC236}">
+                <a16:creationId xmlns:a16="http://schemas.microsoft.com/office/drawing/2014/main" id="{CAABF184-0399-597C-3E17-D756548A75BF}"/>
+              </a:ext>
+            </a:extLst>
+          </p:cNvPr>
+          <p:cNvSpPr>
+            <a:spLocks noGrp="1"/>
+          </p:cNvSpPr>
+          <p:nvPr>
+            <p:ph type="title"/>
+          </p:nvPr>
+        </p:nvSpPr>
+        <p:spPr/>
+        <p:txBody>
+          <a:bodyPr/>
+          <a:lstStyle/>
+          <a:p>
+            <a:r>
+              <a:rPr lang="en-US" dirty="0"/>
+              <a:t>Common Use cases</a:t>
+            </a:r>
+            <a:endParaRPr lang="en-IN" dirty="0"/>
+          </a:p>
+        </p:txBody>
+      </p:sp>
+      <p:sp>
+        <p:nvSpPr>
+          <p:cNvPr id="3" name="Content Placeholder 2">
+            <a:extLst>
+              <a:ext uri="{FF2B5EF4-FFF2-40B4-BE49-F238E27FC236}">
+                <a16:creationId xmlns:a16="http://schemas.microsoft.com/office/drawing/2014/main" id="{94B20B04-9252-864C-D82A-53BB45558E85}"/>
+              </a:ext>
+            </a:extLst>
+          </p:cNvPr>
+          <p:cNvSpPr>
+            <a:spLocks noGrp="1"/>
+          </p:cNvSpPr>
+          <p:nvPr>
+            <p:ph idx="1"/>
+          </p:nvPr>
+        </p:nvSpPr>
+        <p:spPr/>
+        <p:txBody>
+          <a:bodyPr/>
+          <a:lstStyle/>
+          <a:p>
+            <a:r>
+              <a:rPr lang="en-US" dirty="0"/>
+              <a:t>Replace and supplement</a:t>
+            </a:r>
+          </a:p>
+          <a:p>
+            <a:r>
+              <a:rPr lang="en-US" dirty="0"/>
+              <a:t>Access Anywhere</a:t>
+            </a:r>
+          </a:p>
+          <a:p>
+            <a:r>
+              <a:rPr lang="en-US" dirty="0"/>
+              <a:t>Lift and shift</a:t>
+            </a:r>
+          </a:p>
+          <a:p>
+            <a:r>
+              <a:rPr lang="en-US" dirty="0"/>
+              <a:t>Shared Applications</a:t>
+            </a:r>
+          </a:p>
+          <a:p>
+            <a:r>
+              <a:rPr lang="en-US" dirty="0"/>
+              <a:t>Diagnostic Data</a:t>
+            </a:r>
+          </a:p>
+          <a:p>
+            <a:r>
+              <a:rPr lang="en-US" dirty="0"/>
+              <a:t>Tools and utilities</a:t>
+            </a:r>
+            <a:endParaRPr lang="en-IN" dirty="0"/>
+          </a:p>
+        </p:txBody>
+      </p:sp>
+    </p:spTree>
+    <p:extLst>
+      <p:ext uri="{BB962C8B-B14F-4D97-AF65-F5344CB8AC3E}">
+        <p14:creationId xmlns:p14="http://schemas.microsoft.com/office/powerpoint/2010/main" val="3429259532"/>
+      </p:ext>
+    </p:extLst>
+  </p:cSld>
+  <p:clrMapOvr>
+    <a:masterClrMapping/>
+  </p:clrMapOvr>
+</p:sld>
+</file>
+
+<file path=ppt/slides/slide21.xml><?xml version="1.0" encoding="utf-8"?>
+<p:sld xmlns:a="http://schemas.openxmlformats.org/drawingml/2006/main" xmlns:r="http://schemas.openxmlformats.org/officeDocument/2006/relationships" xmlns:p="http://schemas.openxmlformats.org/presentationml/2006/main">
+  <p:cSld>
+    <p:spTree>
+      <p:nvGrpSpPr>
+        <p:cNvPr id="1" name=""/>
+        <p:cNvGrpSpPr/>
+        <p:nvPr/>
+      </p:nvGrpSpPr>
+      <p:grpSpPr>
+        <a:xfrm>
+          <a:off x="0" y="0"/>
+          <a:ext cx="0" cy="0"/>
+          <a:chOff x="0" y="0"/>
+          <a:chExt cx="0" cy="0"/>
+        </a:xfrm>
+      </p:grpSpPr>
+      <p:sp>
+        <p:nvSpPr>
+          <p:cNvPr id="2" name="Title 1">
+            <a:extLst>
+              <a:ext uri="{FF2B5EF4-FFF2-40B4-BE49-F238E27FC236}">
+                <a16:creationId xmlns:a16="http://schemas.microsoft.com/office/drawing/2014/main" id="{D33F9D0B-5254-43BB-6AD9-52F89C42E93A}"/>
+              </a:ext>
+            </a:extLst>
+          </p:cNvPr>
+          <p:cNvSpPr>
+            <a:spLocks noGrp="1"/>
+          </p:cNvSpPr>
+          <p:nvPr>
+            <p:ph type="title"/>
+          </p:nvPr>
+        </p:nvSpPr>
+        <p:spPr/>
+        <p:txBody>
+          <a:bodyPr/>
+          <a:lstStyle/>
+          <a:p>
+            <a:r>
+              <a:rPr lang="en-US" dirty="0"/>
+              <a:t>Files vs Blobs</a:t>
+            </a:r>
+            <a:endParaRPr lang="en-IN" dirty="0"/>
+          </a:p>
+        </p:txBody>
+      </p:sp>
+      <p:sp>
+        <p:nvSpPr>
+          <p:cNvPr id="3" name="Content Placeholder 2">
+            <a:extLst>
+              <a:ext uri="{FF2B5EF4-FFF2-40B4-BE49-F238E27FC236}">
+                <a16:creationId xmlns:a16="http://schemas.microsoft.com/office/drawing/2014/main" id="{8FEDC280-3008-5380-4568-F1A9A7C57867}"/>
+              </a:ext>
+            </a:extLst>
+          </p:cNvPr>
+          <p:cNvSpPr>
+            <a:spLocks noGrp="1"/>
+          </p:cNvSpPr>
+          <p:nvPr>
+            <p:ph idx="1"/>
+          </p:nvPr>
+        </p:nvSpPr>
+        <p:spPr/>
+        <p:txBody>
+          <a:bodyPr/>
+          <a:lstStyle/>
+          <a:p>
+            <a:r>
+              <a:rPr lang="en-US" dirty="0"/>
+              <a:t>Azure files are true directory objects. Azure blobs are a flat namespace</a:t>
+            </a:r>
+          </a:p>
+          <a:p>
+            <a:r>
+              <a:rPr lang="en-US" dirty="0"/>
+              <a:t>Azure files are accessed through file shares. Azure blobs are accessed through a container</a:t>
+            </a:r>
+          </a:p>
+          <a:p>
+            <a:r>
+              <a:rPr lang="en-US" dirty="0"/>
+              <a:t>Azure files provide shared access across multiple virtual machines.</a:t>
+            </a:r>
+            <a:endParaRPr lang="en-IN" dirty="0"/>
+          </a:p>
+        </p:txBody>
+      </p:sp>
+    </p:spTree>
+    <p:extLst>
+      <p:ext uri="{BB962C8B-B14F-4D97-AF65-F5344CB8AC3E}">
+        <p14:creationId xmlns:p14="http://schemas.microsoft.com/office/powerpoint/2010/main" val="630339739"/>
+      </p:ext>
+    </p:extLst>
+  </p:cSld>
+  <p:clrMapOvr>
+    <a:masterClrMapping/>
+  </p:clrMapOvr>
+</p:sld>
+</file>
+
+<file path=ppt/slides/slide22.xml><?xml version="1.0" encoding="utf-8"?>
+<p:sld xmlns:a="http://schemas.openxmlformats.org/drawingml/2006/main" xmlns:r="http://schemas.openxmlformats.org/officeDocument/2006/relationships" xmlns:p="http://schemas.openxmlformats.org/presentationml/2006/main">
+  <p:cSld>
+    <p:spTree>
+      <p:nvGrpSpPr>
+        <p:cNvPr id="1" name=""/>
+        <p:cNvGrpSpPr/>
+        <p:nvPr/>
+      </p:nvGrpSpPr>
+      <p:grpSpPr>
+        <a:xfrm>
+          <a:off x="0" y="0"/>
+          <a:ext cx="0" cy="0"/>
+          <a:chOff x="0" y="0"/>
+          <a:chExt cx="0" cy="0"/>
+        </a:xfrm>
+      </p:grpSpPr>
+      <p:sp>
+        <p:nvSpPr>
+          <p:cNvPr id="2" name="Title 1">
+            <a:extLst>
+              <a:ext uri="{FF2B5EF4-FFF2-40B4-BE49-F238E27FC236}">
+                <a16:creationId xmlns:a16="http://schemas.microsoft.com/office/drawing/2014/main" id="{33C02C27-F57F-1021-B39B-A75BB0D81EA1}"/>
+              </a:ext>
+            </a:extLst>
+          </p:cNvPr>
+          <p:cNvSpPr>
+            <a:spLocks noGrp="1"/>
+          </p:cNvSpPr>
+          <p:nvPr>
+            <p:ph type="title"/>
+          </p:nvPr>
+        </p:nvSpPr>
+        <p:spPr/>
+        <p:txBody>
+          <a:bodyPr/>
+          <a:lstStyle/>
+          <a:p>
+            <a:r>
+              <a:rPr lang="en-US" dirty="0"/>
+              <a:t>Creating File Shares</a:t>
+            </a:r>
+            <a:endParaRPr lang="en-IN" dirty="0"/>
+          </a:p>
+        </p:txBody>
+      </p:sp>
+      <p:sp>
+        <p:nvSpPr>
+          <p:cNvPr id="3" name="Content Placeholder 2">
+            <a:extLst>
+              <a:ext uri="{FF2B5EF4-FFF2-40B4-BE49-F238E27FC236}">
+                <a16:creationId xmlns:a16="http://schemas.microsoft.com/office/drawing/2014/main" id="{398565AF-B2DB-4A13-4F19-0842DDFB331F}"/>
+              </a:ext>
+            </a:extLst>
+          </p:cNvPr>
+          <p:cNvSpPr>
+            <a:spLocks noGrp="1"/>
+          </p:cNvSpPr>
+          <p:nvPr>
+            <p:ph idx="1"/>
+          </p:nvPr>
+        </p:nvSpPr>
+        <p:spPr/>
+        <p:txBody>
+          <a:bodyPr/>
+          <a:lstStyle/>
+          <a:p>
+            <a:endParaRPr lang="en-IN"/>
+          </a:p>
+        </p:txBody>
+      </p:sp>
+    </p:spTree>
+    <p:extLst>
+      <p:ext uri="{BB962C8B-B14F-4D97-AF65-F5344CB8AC3E}">
+        <p14:creationId xmlns:p14="http://schemas.microsoft.com/office/powerpoint/2010/main" val="3770764273"/>
+      </p:ext>
+    </p:extLst>
+  </p:cSld>
+  <p:clrMapOvr>
+    <a:masterClrMapping/>
+  </p:clrMapOvr>
+</p:sld>
+</file>
+
+<file path=ppt/slides/slide23.xml><?xml version="1.0" encoding="utf-8"?>
+<p:sld xmlns:a="http://schemas.openxmlformats.org/drawingml/2006/main" xmlns:r="http://schemas.openxmlformats.org/officeDocument/2006/relationships" xmlns:p="http://schemas.openxmlformats.org/presentationml/2006/main">
+  <p:cSld>
+    <p:spTree>
+      <p:nvGrpSpPr>
+        <p:cNvPr id="1" name=""/>
+        <p:cNvGrpSpPr/>
+        <p:nvPr/>
+      </p:nvGrpSpPr>
+      <p:grpSpPr>
+        <a:xfrm>
+          <a:off x="0" y="0"/>
+          <a:ext cx="0" cy="0"/>
+          <a:chOff x="0" y="0"/>
+          <a:chExt cx="0" cy="0"/>
+        </a:xfrm>
+      </p:grpSpPr>
+      <p:sp>
+        <p:nvSpPr>
+          <p:cNvPr id="2" name="Title 1">
+            <a:extLst>
+              <a:ext uri="{FF2B5EF4-FFF2-40B4-BE49-F238E27FC236}">
+                <a16:creationId xmlns:a16="http://schemas.microsoft.com/office/drawing/2014/main" id="{F856A893-3D02-F45B-00D3-714270C2DA61}"/>
+              </a:ext>
+            </a:extLst>
+          </p:cNvPr>
+          <p:cNvSpPr>
+            <a:spLocks noGrp="1"/>
+          </p:cNvSpPr>
+          <p:nvPr>
+            <p:ph type="ctrTitle"/>
+          </p:nvPr>
+        </p:nvSpPr>
+        <p:spPr/>
+        <p:txBody>
+          <a:bodyPr/>
+          <a:lstStyle/>
+          <a:p>
+            <a:r>
+              <a:rPr lang="en-US" dirty="0"/>
+              <a:t>Storage Security</a:t>
+            </a:r>
+            <a:endParaRPr lang="en-IN" dirty="0"/>
+          </a:p>
+        </p:txBody>
+      </p:sp>
+      <p:sp>
+        <p:nvSpPr>
+          <p:cNvPr id="3" name="Subtitle 2">
+            <a:extLst>
+              <a:ext uri="{FF2B5EF4-FFF2-40B4-BE49-F238E27FC236}">
+                <a16:creationId xmlns:a16="http://schemas.microsoft.com/office/drawing/2014/main" id="{E9A2A063-2059-5CFC-AE5B-B889D80E8BF3}"/>
+              </a:ext>
+            </a:extLst>
+          </p:cNvPr>
+          <p:cNvSpPr>
+            <a:spLocks noGrp="1"/>
+          </p:cNvSpPr>
+          <p:nvPr>
+            <p:ph type="subTitle" idx="1"/>
+          </p:nvPr>
+        </p:nvSpPr>
+        <p:spPr/>
+        <p:txBody>
+          <a:bodyPr/>
+          <a:lstStyle/>
+          <a:p>
+            <a:endParaRPr lang="en-IN"/>
+          </a:p>
+        </p:txBody>
+      </p:sp>
+    </p:spTree>
+    <p:extLst>
+      <p:ext uri="{BB962C8B-B14F-4D97-AF65-F5344CB8AC3E}">
+        <p14:creationId xmlns:p14="http://schemas.microsoft.com/office/powerpoint/2010/main" val="614676270"/>
+      </p:ext>
+    </p:extLst>
+  </p:cSld>
+  <p:clrMapOvr>
+    <a:masterClrMapping/>
+  </p:clrMapOvr>
+</p:sld>
+</file>
+
+<file path=ppt/slides/slide24.xml><?xml version="1.0" encoding="utf-8"?>
+<p:sld xmlns:a="http://schemas.openxmlformats.org/drawingml/2006/main" xmlns:r="http://schemas.openxmlformats.org/officeDocument/2006/relationships" xmlns:p="http://schemas.openxmlformats.org/presentationml/2006/main">
+  <p:cSld>
+    <p:spTree>
+      <p:nvGrpSpPr>
+        <p:cNvPr id="1" name=""/>
+        <p:cNvGrpSpPr/>
+        <p:nvPr/>
+      </p:nvGrpSpPr>
+      <p:grpSpPr>
+        <a:xfrm>
+          <a:off x="0" y="0"/>
+          <a:ext cx="0" cy="0"/>
+          <a:chOff x="0" y="0"/>
+          <a:chExt cx="0" cy="0"/>
+        </a:xfrm>
+      </p:grpSpPr>
+      <p:sp>
+        <p:nvSpPr>
+          <p:cNvPr id="2" name="Title 1">
+            <a:extLst>
+              <a:ext uri="{FF2B5EF4-FFF2-40B4-BE49-F238E27FC236}">
+                <a16:creationId xmlns:a16="http://schemas.microsoft.com/office/drawing/2014/main" id="{270CB071-6BBE-A2A1-E2E7-76F4226CC015}"/>
+              </a:ext>
+            </a:extLst>
+          </p:cNvPr>
+          <p:cNvSpPr>
+            <a:spLocks noGrp="1"/>
+          </p:cNvSpPr>
+          <p:nvPr>
+            <p:ph type="title"/>
+          </p:nvPr>
+        </p:nvSpPr>
+        <p:spPr/>
+        <p:txBody>
+          <a:bodyPr/>
+          <a:lstStyle/>
+          <a:p>
+            <a:r>
+              <a:rPr lang="en-US" dirty="0"/>
+              <a:t>Storage Security</a:t>
+            </a:r>
+            <a:endParaRPr lang="en-IN" dirty="0"/>
+          </a:p>
+        </p:txBody>
+      </p:sp>
+      <p:sp>
+        <p:nvSpPr>
+          <p:cNvPr id="3" name="Content Placeholder 2">
+            <a:extLst>
+              <a:ext uri="{FF2B5EF4-FFF2-40B4-BE49-F238E27FC236}">
+                <a16:creationId xmlns:a16="http://schemas.microsoft.com/office/drawing/2014/main" id="{4C0CC951-7555-F3DE-6379-0AB54AD5D1D1}"/>
+              </a:ext>
+            </a:extLst>
+          </p:cNvPr>
+          <p:cNvSpPr>
+            <a:spLocks noGrp="1"/>
+          </p:cNvSpPr>
+          <p:nvPr>
+            <p:ph idx="1"/>
+          </p:nvPr>
+        </p:nvSpPr>
+        <p:spPr/>
+        <p:txBody>
+          <a:bodyPr/>
+          <a:lstStyle/>
+          <a:p>
+            <a:r>
+              <a:rPr lang="en-US" dirty="0"/>
+              <a:t>Encryption</a:t>
+            </a:r>
+          </a:p>
+          <a:p>
+            <a:r>
+              <a:rPr lang="en-US" dirty="0"/>
+              <a:t>Authentication – Azure Active Directory and Role-Based Access Control</a:t>
+            </a:r>
+          </a:p>
+          <a:p>
+            <a:r>
+              <a:rPr lang="en-US" dirty="0"/>
+              <a:t>Data in transit – HTTPS and SMB</a:t>
+            </a:r>
+          </a:p>
+          <a:p>
+            <a:r>
+              <a:rPr lang="en-US" dirty="0"/>
+              <a:t>Disk Encryption</a:t>
+            </a:r>
+          </a:p>
+          <a:p>
+            <a:r>
+              <a:rPr lang="en-US" dirty="0"/>
+              <a:t>Shared Access Signature</a:t>
+            </a:r>
+            <a:endParaRPr lang="en-IN" dirty="0"/>
+          </a:p>
+        </p:txBody>
+      </p:sp>
+    </p:spTree>
+    <p:extLst>
+      <p:ext uri="{BB962C8B-B14F-4D97-AF65-F5344CB8AC3E}">
+        <p14:creationId xmlns:p14="http://schemas.microsoft.com/office/powerpoint/2010/main" val="957155437"/>
       </p:ext>
     </p:extLst>
   </p:cSld>
